--- a/Poster.pptx
+++ b/Poster.pptx
@@ -104,7 +104,16 @@
       </a:defRPr>
     </a:lvl9pPr>
   </p:defaultTextStyle>
+  <p:extLst>
+    <p:ext uri="{EFAFB233-063F-42B5-8137-9DF3F51BA10A}">
+      <p15:sldGuideLst xmlns:p15="http://schemas.microsoft.com/office/powerpoint/2012/main"/>
+    </p:ext>
+  </p:extLst>
 </p:presentation>
+</file>
+
+<file path=ppt/revisionInfo.xml><?xml version="1.0" encoding="utf-8"?>
+<p1510:revInfo xmlns:a="http://schemas.openxmlformats.org/drawingml/2006/main" xmlns:r="http://schemas.openxmlformats.org/officeDocument/2006/relationships" xmlns:p1510="http://schemas.microsoft.com/office/powerpoint/2015/10/main"/>
 </file>
 
 <file path=ppt/slideLayouts/slideLayout1.xml><?xml version="1.0" encoding="utf-8"?>
@@ -238,7 +247,7 @@
           <a:p>
             <a:fld id="{1E90A34A-F167-45CA-8CF2-A16579B09AD1}" type="datetimeFigureOut">
               <a:rPr lang="en-GB" smtClean="0"/>
-              <a:t>04/03/2018</a:t>
+              <a:t>08/03/2018</a:t>
             </a:fld>
             <a:endParaRPr lang="en-GB"/>
           </a:p>
@@ -408,7 +417,7 @@
           <a:p>
             <a:fld id="{1E90A34A-F167-45CA-8CF2-A16579B09AD1}" type="datetimeFigureOut">
               <a:rPr lang="en-GB" smtClean="0"/>
-              <a:t>04/03/2018</a:t>
+              <a:t>08/03/2018</a:t>
             </a:fld>
             <a:endParaRPr lang="en-GB"/>
           </a:p>
@@ -588,7 +597,7 @@
           <a:p>
             <a:fld id="{1E90A34A-F167-45CA-8CF2-A16579B09AD1}" type="datetimeFigureOut">
               <a:rPr lang="en-GB" smtClean="0"/>
-              <a:t>04/03/2018</a:t>
+              <a:t>08/03/2018</a:t>
             </a:fld>
             <a:endParaRPr lang="en-GB"/>
           </a:p>
@@ -758,7 +767,7 @@
           <a:p>
             <a:fld id="{1E90A34A-F167-45CA-8CF2-A16579B09AD1}" type="datetimeFigureOut">
               <a:rPr lang="en-GB" smtClean="0"/>
-              <a:t>04/03/2018</a:t>
+              <a:t>08/03/2018</a:t>
             </a:fld>
             <a:endParaRPr lang="en-GB"/>
           </a:p>
@@ -1002,7 +1011,7 @@
           <a:p>
             <a:fld id="{1E90A34A-F167-45CA-8CF2-A16579B09AD1}" type="datetimeFigureOut">
               <a:rPr lang="en-GB" smtClean="0"/>
-              <a:t>04/03/2018</a:t>
+              <a:t>08/03/2018</a:t>
             </a:fld>
             <a:endParaRPr lang="en-GB"/>
           </a:p>
@@ -1234,7 +1243,7 @@
           <a:p>
             <a:fld id="{1E90A34A-F167-45CA-8CF2-A16579B09AD1}" type="datetimeFigureOut">
               <a:rPr lang="en-GB" smtClean="0"/>
-              <a:t>04/03/2018</a:t>
+              <a:t>08/03/2018</a:t>
             </a:fld>
             <a:endParaRPr lang="en-GB"/>
           </a:p>
@@ -1601,7 +1610,7 @@
           <a:p>
             <a:fld id="{1E90A34A-F167-45CA-8CF2-A16579B09AD1}" type="datetimeFigureOut">
               <a:rPr lang="en-GB" smtClean="0"/>
-              <a:t>04/03/2018</a:t>
+              <a:t>08/03/2018</a:t>
             </a:fld>
             <a:endParaRPr lang="en-GB"/>
           </a:p>
@@ -1719,7 +1728,7 @@
           <a:p>
             <a:fld id="{1E90A34A-F167-45CA-8CF2-A16579B09AD1}" type="datetimeFigureOut">
               <a:rPr lang="en-GB" smtClean="0"/>
-              <a:t>04/03/2018</a:t>
+              <a:t>08/03/2018</a:t>
             </a:fld>
             <a:endParaRPr lang="en-GB"/>
           </a:p>
@@ -1814,7 +1823,7 @@
           <a:p>
             <a:fld id="{1E90A34A-F167-45CA-8CF2-A16579B09AD1}" type="datetimeFigureOut">
               <a:rPr lang="en-GB" smtClean="0"/>
-              <a:t>04/03/2018</a:t>
+              <a:t>08/03/2018</a:t>
             </a:fld>
             <a:endParaRPr lang="en-GB"/>
           </a:p>
@@ -2091,7 +2100,7 @@
           <a:p>
             <a:fld id="{1E90A34A-F167-45CA-8CF2-A16579B09AD1}" type="datetimeFigureOut">
               <a:rPr lang="en-GB" smtClean="0"/>
-              <a:t>04/03/2018</a:t>
+              <a:t>08/03/2018</a:t>
             </a:fld>
             <a:endParaRPr lang="en-GB"/>
           </a:p>
@@ -2348,7 +2357,7 @@
           <a:p>
             <a:fld id="{1E90A34A-F167-45CA-8CF2-A16579B09AD1}" type="datetimeFigureOut">
               <a:rPr lang="en-GB" smtClean="0"/>
-              <a:t>04/03/2018</a:t>
+              <a:t>08/03/2018</a:t>
             </a:fld>
             <a:endParaRPr lang="en-GB"/>
           </a:p>
@@ -2561,7 +2570,7 @@
           <a:p>
             <a:fld id="{1E90A34A-F167-45CA-8CF2-A16579B09AD1}" type="datetimeFigureOut">
               <a:rPr lang="en-GB" smtClean="0"/>
-              <a:t>04/03/2018</a:t>
+              <a:t>08/03/2018</a:t>
             </a:fld>
             <a:endParaRPr lang="en-GB"/>
           </a:p>
@@ -2966,6 +2975,126 @@
           <a:chExt cx="0" cy="0"/>
         </a:xfrm>
       </p:grpSpPr>
+      <p:pic>
+        <p:nvPicPr>
+          <p:cNvPr id="22" name="Picture 21">
+            <a:extLst>
+              <a:ext uri="{FF2B5EF4-FFF2-40B4-BE49-F238E27FC236}">
+                <a16:creationId xmlns:a16="http://schemas.microsoft.com/office/drawing/2014/main" id="{A9CC3A2F-158C-4C33-82E0-D7CABBAFED23}"/>
+              </a:ext>
+            </a:extLst>
+          </p:cNvPr>
+          <p:cNvPicPr>
+            <a:picLocks noChangeAspect="1"/>
+          </p:cNvPicPr>
+          <p:nvPr/>
+        </p:nvPicPr>
+        <p:blipFill>
+          <a:blip r:embed="rId2"/>
+          <a:stretch>
+            <a:fillRect/>
+          </a:stretch>
+        </p:blipFill>
+        <p:spPr>
+          <a:xfrm>
+            <a:off x="-1" y="-1"/>
+            <a:ext cx="21383625" cy="30275214"/>
+          </a:xfrm>
+          <a:prstGeom prst="rect">
+            <a:avLst/>
+          </a:prstGeom>
+        </p:spPr>
+      </p:pic>
+      <p:pic>
+        <p:nvPicPr>
+          <p:cNvPr id="26" name="Picture 25">
+            <a:extLst>
+              <a:ext uri="{FF2B5EF4-FFF2-40B4-BE49-F238E27FC236}">
+                <a16:creationId xmlns:a16="http://schemas.microsoft.com/office/drawing/2014/main" id="{E07F8E31-693F-4AA9-8812-FCAB805CC5AA}"/>
+              </a:ext>
+            </a:extLst>
+          </p:cNvPr>
+          <p:cNvPicPr>
+            <a:picLocks noChangeAspect="1"/>
+          </p:cNvPicPr>
+          <p:nvPr/>
+        </p:nvPicPr>
+        <p:blipFill>
+          <a:blip r:embed="rId3"/>
+          <a:stretch>
+            <a:fillRect/>
+          </a:stretch>
+        </p:blipFill>
+        <p:spPr>
+          <a:xfrm>
+            <a:off x="-83629" y="17827778"/>
+            <a:ext cx="21550881" cy="2608835"/>
+          </a:xfrm>
+          <a:prstGeom prst="rect">
+            <a:avLst/>
+          </a:prstGeom>
+        </p:spPr>
+      </p:pic>
+      <p:pic>
+        <p:nvPicPr>
+          <p:cNvPr id="25" name="Picture 24">
+            <a:extLst>
+              <a:ext uri="{FF2B5EF4-FFF2-40B4-BE49-F238E27FC236}">
+                <a16:creationId xmlns:a16="http://schemas.microsoft.com/office/drawing/2014/main" id="{CB64D789-4F2D-4101-A040-3EABFA2EE51E}"/>
+              </a:ext>
+            </a:extLst>
+          </p:cNvPr>
+          <p:cNvPicPr>
+            <a:picLocks noChangeAspect="1"/>
+          </p:cNvPicPr>
+          <p:nvPr/>
+        </p:nvPicPr>
+        <p:blipFill>
+          <a:blip r:embed="rId3"/>
+          <a:stretch>
+            <a:fillRect/>
+          </a:stretch>
+        </p:blipFill>
+        <p:spPr>
+          <a:xfrm>
+            <a:off x="0" y="10772776"/>
+            <a:ext cx="21383624" cy="4530884"/>
+          </a:xfrm>
+          <a:prstGeom prst="rect">
+            <a:avLst/>
+          </a:prstGeom>
+        </p:spPr>
+      </p:pic>
+      <p:pic>
+        <p:nvPicPr>
+          <p:cNvPr id="23" name="Picture 22">
+            <a:extLst>
+              <a:ext uri="{FF2B5EF4-FFF2-40B4-BE49-F238E27FC236}">
+                <a16:creationId xmlns:a16="http://schemas.microsoft.com/office/drawing/2014/main" id="{A132F98E-86CE-4DB9-9AA4-C31CE3E07608}"/>
+              </a:ext>
+            </a:extLst>
+          </p:cNvPr>
+          <p:cNvPicPr>
+            <a:picLocks noChangeAspect="1"/>
+          </p:cNvPicPr>
+          <p:nvPr/>
+        </p:nvPicPr>
+        <p:blipFill>
+          <a:blip r:embed="rId3"/>
+          <a:stretch>
+            <a:fillRect/>
+          </a:stretch>
+        </p:blipFill>
+        <p:spPr>
+          <a:xfrm>
+            <a:off x="-2" y="2888094"/>
+            <a:ext cx="21383625" cy="2139191"/>
+          </a:xfrm>
+          <a:prstGeom prst="rect">
+            <a:avLst/>
+          </a:prstGeom>
+        </p:spPr>
+      </p:pic>
       <p:sp>
         <p:nvSpPr>
           <p:cNvPr id="4" name="TextBox 3">
@@ -2980,7 +3109,7 @@
         </p:nvSpPr>
         <p:spPr>
           <a:xfrm>
-            <a:off x="7576247" y="914400"/>
+            <a:off x="7576247" y="868360"/>
             <a:ext cx="6231129" cy="1785104"/>
           </a:xfrm>
           <a:prstGeom prst="rect">
@@ -3030,8 +3159,8 @@
         </p:nvSpPr>
         <p:spPr>
           <a:xfrm>
-            <a:off x="2200329" y="3258876"/>
-            <a:ext cx="17162821" cy="1354217"/>
+            <a:off x="965860" y="2864802"/>
+            <a:ext cx="19332783" cy="2062103"/>
           </a:xfrm>
           <a:prstGeom prst="rect">
             <a:avLst/>
@@ -3045,16 +3174,16 @@
           <a:lstStyle/>
           <a:p>
             <a:r>
-              <a:rPr lang="en-GB" sz="2800" dirty="0"/>
+              <a:rPr lang="en-GB" sz="3200" dirty="0"/>
               <a:t>Aim of the Project</a:t>
             </a:r>
           </a:p>
           <a:p>
-            <a:r>
-              <a:rPr lang="en-GB" dirty="0"/>
-              <a:t>Virtual Reality is an exciting, adventurous medium, which the possibilities for are not known yet. This project aims to make use of 3 key facets of the world of Virtual Reality; Dangerous or expensive settings, difficult or impossible to recreate in the real world, and use of gameplay elements to enhance feedback. With inspiration from existing titles including Valves “The Lab 1”, and “Job Simulator”, this project looks into giving the experience of a Steam Engine Fireman to the user.</a:t>
-            </a:r>
-            <a:endParaRPr lang="en-GB" sz="2000" dirty="0"/>
+            <a:pPr algn="just"/>
+            <a:r>
+              <a:rPr lang="en-GB" sz="2400" dirty="0"/>
+              <a:t>Virtual Reality is an exciting, adventurous medium, with great potential in the educational landscape [1]. This project aims to make use of 3 key facets of the world of Virtual Reality; Dangerous or expensive settings, difficult or impossible to recreate in the real world, and use of gameplay elements to enhance feedback. With inspiration from existing titles including Valves “The Lab”, and “Job Simulator”, this project looks into giving the experience of a Steam Engine Fireman to the user.</a:t>
+            </a:r>
           </a:p>
         </p:txBody>
       </p:sp>
@@ -3072,8 +3201,8 @@
         </p:nvSpPr>
         <p:spPr>
           <a:xfrm>
-            <a:off x="2200329" y="5172465"/>
-            <a:ext cx="17162821" cy="5786199"/>
+            <a:off x="965859" y="5138156"/>
+            <a:ext cx="19332782" cy="5634619"/>
           </a:xfrm>
           <a:prstGeom prst="rect">
             <a:avLst/>
@@ -3087,82 +3216,129 @@
           <a:lstStyle/>
           <a:p>
             <a:r>
-              <a:rPr lang="en-GB" sz="2800" dirty="0"/>
+              <a:rPr lang="en-GB" sz="3200" dirty="0"/>
               <a:t>Progress</a:t>
             </a:r>
           </a:p>
           <a:p>
-            <a:r>
-              <a:rPr lang="en-GB" dirty="0"/>
+            <a:pPr algn="just">
+              <a:lnSpc>
+                <a:spcPct val="107000"/>
+              </a:lnSpc>
+              <a:spcAft>
+                <a:spcPts val="800"/>
+              </a:spcAft>
+            </a:pPr>
+            <a:r>
+              <a:rPr lang="en-GB" sz="2400" dirty="0">
+                <a:latin typeface="Calibri" panose="020F0502020204030204" pitchFamily="34" charset="0"/>
+                <a:ea typeface="Calibri" panose="020F0502020204030204" pitchFamily="34" charset="0"/>
+                <a:cs typeface="Times New Roman" panose="02020603050405020304" pitchFamily="18" charset="0"/>
+              </a:rPr>
               <a:t>Initial work was done into interaction methods, forms of feedback, and sense of scale, perspective and immersion within the virtual reality realm. Unlike normal video game experiences, Virtual Reality must contend with totally new form of interaction and feedback when compared to traditional means. The idea of a “User Interface” goes against the idea of really being transported to another place, and as such means of feedback must exist naturally in the world we are creating.</a:t>
             </a:r>
           </a:p>
           <a:p>
-            <a:endParaRPr lang="en-GB" dirty="0"/>
-          </a:p>
-          <a:p>
-            <a:r>
-              <a:rPr lang="en-GB" dirty="0"/>
+            <a:pPr algn="just">
+              <a:lnSpc>
+                <a:spcPct val="107000"/>
+              </a:lnSpc>
+              <a:spcAft>
+                <a:spcPts val="800"/>
+              </a:spcAft>
+            </a:pPr>
+            <a:r>
+              <a:rPr lang="en-GB" sz="2400" dirty="0">
+                <a:latin typeface="Calibri" panose="020F0502020204030204" pitchFamily="34" charset="0"/>
+                <a:ea typeface="Calibri" panose="020F0502020204030204" pitchFamily="34" charset="0"/>
+                <a:cs typeface="Times New Roman" panose="02020603050405020304" pitchFamily="18" charset="0"/>
+              </a:rPr>
               <a:t>The Unity asset store features a plethora of free, high quality assets to give the scenes a look and feel fitting of the environment. However, the creation of my own objects using a tool such as Blender has shown to be necessary for simple features not found on either the Unity Game Engine itself or the asset store. A hollow cylinder, as a coal spawning shoot was created in Blender, and imported into Unity for use in my project currently.</a:t>
             </a:r>
           </a:p>
           <a:p>
-            <a:endParaRPr lang="en-GB" dirty="0"/>
-          </a:p>
-          <a:p>
-            <a:r>
-              <a:rPr lang="en-GB" dirty="0"/>
+            <a:pPr algn="just">
+              <a:lnSpc>
+                <a:spcPct val="107000"/>
+              </a:lnSpc>
+              <a:spcAft>
+                <a:spcPts val="800"/>
+              </a:spcAft>
+            </a:pPr>
+            <a:r>
+              <a:rPr lang="en-GB" sz="2400" dirty="0">
+                <a:latin typeface="Calibri" panose="020F0502020204030204" pitchFamily="34" charset="0"/>
+                <a:ea typeface="Calibri" panose="020F0502020204030204" pitchFamily="34" charset="0"/>
+                <a:cs typeface="Times New Roman" panose="02020603050405020304" pitchFamily="18" charset="0"/>
+              </a:rPr>
               <a:t>After a lengthy and prosperous experimentation phase, work has begun on the complete idea of the Steam Engine Fireman. With 3 core gameplay elements working to create a gameplay loop:</a:t>
             </a:r>
           </a:p>
           <a:p>
-            <a:pPr marL="342900" lvl="0" indent="-342900">
+            <a:pPr marL="342900" lvl="0" indent="-342900" algn="just">
+              <a:lnSpc>
+                <a:spcPct val="107000"/>
+              </a:lnSpc>
+              <a:spcAft>
+                <a:spcPts val="0"/>
+              </a:spcAft>
               <a:buFont typeface="+mj-lt"/>
-              <a:buAutoNum type="arabicPeriod"/>
+              <a:buAutoNum type="arabicParenR"/>
             </a:pPr>
             <a:r>
-              <a:rPr lang="en-GB" dirty="0"/>
+              <a:rPr lang="en-GB" sz="2400" dirty="0">
+                <a:latin typeface="Calibri" panose="020F0502020204030204" pitchFamily="34" charset="0"/>
+                <a:ea typeface="Calibri" panose="020F0502020204030204" pitchFamily="34" charset="0"/>
+                <a:cs typeface="Times New Roman" panose="02020603050405020304" pitchFamily="18" charset="0"/>
+              </a:rPr>
               <a:t>Most classically, shovelling coal into the furnace, to provide fuel for the train.</a:t>
             </a:r>
           </a:p>
           <a:p>
-            <a:pPr marL="342900" lvl="0" indent="-342900">
+            <a:pPr marL="342900" lvl="0" indent="-342900" algn="just">
+              <a:lnSpc>
+                <a:spcPct val="107000"/>
+              </a:lnSpc>
+              <a:spcAft>
+                <a:spcPts val="0"/>
+              </a:spcAft>
               <a:buFont typeface="+mj-lt"/>
-              <a:buAutoNum type="arabicPeriod"/>
+              <a:buAutoNum type="arabicParenR"/>
             </a:pPr>
             <a:r>
-              <a:rPr lang="en-GB" dirty="0"/>
+              <a:rPr lang="en-GB" sz="2400" dirty="0">
+                <a:latin typeface="Calibri" panose="020F0502020204030204" pitchFamily="34" charset="0"/>
+                <a:ea typeface="Calibri" panose="020F0502020204030204" pitchFamily="34" charset="0"/>
+                <a:cs typeface="Times New Roman" panose="02020603050405020304" pitchFamily="18" charset="0"/>
+              </a:rPr>
               <a:t>Using water to maintain the engine at an appropriate temperature</a:t>
             </a:r>
           </a:p>
           <a:p>
-            <a:pPr marL="342900" lvl="0" indent="-342900">
+            <a:pPr marL="342900" lvl="0" indent="-342900" algn="just">
+              <a:lnSpc>
+                <a:spcPct val="107000"/>
+              </a:lnSpc>
+              <a:spcAft>
+                <a:spcPts val="800"/>
+              </a:spcAft>
               <a:buFont typeface="+mj-lt"/>
-              <a:buAutoNum type="arabicPeriod"/>
+              <a:buAutoNum type="arabicParenR"/>
             </a:pPr>
             <a:r>
-              <a:rPr lang="en-GB" dirty="0"/>
-              <a:t>Maintenance of mechanical physical objects in the engine room.</a:t>
-            </a:r>
-          </a:p>
-          <a:p>
-            <a:pPr lvl="0"/>
-            <a:endParaRPr lang="en-GB" dirty="0"/>
-          </a:p>
-          <a:p>
-            <a:r>
-              <a:rPr lang="en-GB" dirty="0"/>
-              <a:t>Currently the coal spawning, shovelling and fuel system, with links to the temperature system are in place and functioning as intended, with gauges placed within the room to provide live feedback on the status of said systems. </a:t>
-            </a:r>
-          </a:p>
-          <a:p>
-            <a:endParaRPr lang="en-GB" dirty="0"/>
-          </a:p>
-          <a:p>
-            <a:r>
-              <a:rPr lang="en-GB" dirty="0"/>
-              <a:t>The gauges act as the visual reference for the gamified element of “amount of fuel” and “temperature of engine” within the train. By physically looking at these game objects, the user can plan their next action within the system, without losing a sense of immersion within the space.</a:t>
-            </a:r>
+              <a:rPr lang="en-GB" sz="2400" dirty="0">
+                <a:latin typeface="Calibri" panose="020F0502020204030204" pitchFamily="34" charset="0"/>
+                <a:ea typeface="Calibri" panose="020F0502020204030204" pitchFamily="34" charset="0"/>
+                <a:cs typeface="Times New Roman" panose="02020603050405020304" pitchFamily="18" charset="0"/>
+              </a:rPr>
+              <a:t>Maintenance of mechanical/physical objects in the engine room.</a:t>
+            </a:r>
+            <a:endParaRPr lang="en-GB" sz="2400" dirty="0">
+              <a:effectLst/>
+              <a:latin typeface="Calibri" panose="020F0502020204030204" pitchFamily="34" charset="0"/>
+              <a:ea typeface="Calibri" panose="020F0502020204030204" pitchFamily="34" charset="0"/>
+              <a:cs typeface="Times New Roman" panose="02020603050405020304" pitchFamily="18" charset="0"/>
+            </a:endParaRPr>
           </a:p>
         </p:txBody>
       </p:sp>
@@ -3180,8 +3356,8 @@
         </p:nvSpPr>
         <p:spPr>
           <a:xfrm>
-            <a:off x="2200329" y="11518036"/>
-            <a:ext cx="3329951" cy="830997"/>
+            <a:off x="965857" y="10981205"/>
+            <a:ext cx="19332783" cy="2765822"/>
           </a:xfrm>
           <a:prstGeom prst="rect">
             <a:avLst/>
@@ -3189,21 +3365,91 @@
           <a:noFill/>
         </p:spPr>
         <p:txBody>
-          <a:bodyPr wrap="none" rtlCol="0">
+          <a:bodyPr wrap="square" rtlCol="0">
             <a:spAutoFit/>
           </a:bodyPr>
           <a:lstStyle/>
           <a:p>
             <a:r>
-              <a:rPr lang="en-GB" sz="2800" dirty="0"/>
+              <a:rPr lang="en-GB" sz="3200" dirty="0"/>
               <a:t>Technical Information</a:t>
             </a:r>
           </a:p>
           <a:p>
-            <a:r>
-              <a:rPr lang="en-GB" sz="2000" dirty="0"/>
-              <a:t>TEXT GOES HERE</a:t>
-            </a:r>
+            <a:pPr algn="just">
+              <a:lnSpc>
+                <a:spcPct val="107000"/>
+              </a:lnSpc>
+              <a:spcAft>
+                <a:spcPts val="800"/>
+              </a:spcAft>
+            </a:pPr>
+            <a:r>
+              <a:rPr lang="en-GB" sz="2400" dirty="0">
+                <a:latin typeface="Calibri" panose="020F0502020204030204" pitchFamily="34" charset="0"/>
+                <a:ea typeface="Calibri" panose="020F0502020204030204" pitchFamily="34" charset="0"/>
+                <a:cs typeface="Times New Roman" panose="02020603050405020304" pitchFamily="18" charset="0"/>
+              </a:rPr>
+              <a:t>The game is being developed in Unity3D. The hardware designed for is the HTC Vive. For creating custom assets, a tool called “Blender” is used.</a:t>
+            </a:r>
+          </a:p>
+          <a:p>
+            <a:pPr algn="just">
+              <a:lnSpc>
+                <a:spcPct val="107000"/>
+              </a:lnSpc>
+              <a:spcAft>
+                <a:spcPts val="800"/>
+              </a:spcAft>
+            </a:pPr>
+            <a:r>
+              <a:rPr lang="en-GB" sz="2400" dirty="0">
+                <a:latin typeface="Calibri" panose="020F0502020204030204" pitchFamily="34" charset="0"/>
+                <a:ea typeface="Calibri" panose="020F0502020204030204" pitchFamily="34" charset="0"/>
+                <a:cs typeface="Times New Roman" panose="02020603050405020304" pitchFamily="18" charset="0"/>
+              </a:rPr>
+              <a:t>Unity utilises C# as its programming language, and makes use of a design pattern called the “Object Component Design Pattern” [2]. </a:t>
+            </a:r>
+          </a:p>
+          <a:p>
+            <a:pPr algn="just">
+              <a:lnSpc>
+                <a:spcPct val="107000"/>
+              </a:lnSpc>
+              <a:spcAft>
+                <a:spcPts val="800"/>
+              </a:spcAft>
+            </a:pPr>
+            <a:r>
+              <a:rPr lang="en-GB" sz="2400" dirty="0">
+                <a:latin typeface="Calibri" panose="020F0502020204030204" pitchFamily="34" charset="0"/>
+                <a:ea typeface="Calibri" panose="020F0502020204030204" pitchFamily="34" charset="0"/>
+                <a:cs typeface="Times New Roman" panose="02020603050405020304" pitchFamily="18" charset="0"/>
+              </a:rPr>
+              <a:t>An important consideration of virtual reality is keeping the FPS (Frames Per Second) above an acceptable level. This is an incredibly important consideration when it comes to the number of object within the scene. As such great care is taken to ensure only as many elements with </a:t>
+            </a:r>
+            <a:r>
+              <a:rPr lang="en-GB" sz="2400" dirty="0" err="1">
+                <a:latin typeface="Calibri" panose="020F0502020204030204" pitchFamily="34" charset="0"/>
+                <a:ea typeface="Calibri" panose="020F0502020204030204" pitchFamily="34" charset="0"/>
+                <a:cs typeface="Times New Roman" panose="02020603050405020304" pitchFamily="18" charset="0"/>
+              </a:rPr>
+              <a:t>rigidbodies</a:t>
+            </a:r>
+            <a:r>
+              <a:rPr lang="en-GB" sz="2400" dirty="0">
+                <a:latin typeface="Calibri" panose="020F0502020204030204" pitchFamily="34" charset="0"/>
+                <a:ea typeface="Calibri" panose="020F0502020204030204" pitchFamily="34" charset="0"/>
+                <a:cs typeface="Times New Roman" panose="02020603050405020304" pitchFamily="18" charset="0"/>
+              </a:rPr>
+              <a:t> and physics colliders exist as necessary.</a:t>
+            </a:r>
+            <a:endParaRPr lang="en-GB" sz="2400" dirty="0">
+              <a:effectLst/>
+              <a:latin typeface="Calibri" panose="020F0502020204030204" pitchFamily="34" charset="0"/>
+              <a:ea typeface="Calibri" panose="020F0502020204030204" pitchFamily="34" charset="0"/>
+              <a:cs typeface="Times New Roman" panose="02020603050405020304" pitchFamily="18" charset="0"/>
+            </a:endParaRPr>
           </a:p>
         </p:txBody>
       </p:sp>
@@ -3221,8 +3467,8 @@
         </p:nvSpPr>
         <p:spPr>
           <a:xfrm>
-            <a:off x="2200329" y="14566036"/>
-            <a:ext cx="2583849" cy="830997"/>
+            <a:off x="965857" y="15351732"/>
+            <a:ext cx="19332783" cy="2370649"/>
           </a:xfrm>
           <a:prstGeom prst="rect">
             <a:avLst/>
@@ -3230,21 +3476,75 @@
           <a:noFill/>
         </p:spPr>
         <p:txBody>
-          <a:bodyPr wrap="none" rtlCol="0">
+          <a:bodyPr wrap="square" rtlCol="0">
             <a:spAutoFit/>
           </a:bodyPr>
           <a:lstStyle/>
           <a:p>
             <a:r>
-              <a:rPr lang="en-GB" sz="2800" dirty="0"/>
+              <a:rPr lang="en-GB" sz="3200" dirty="0"/>
               <a:t>Remaining Work</a:t>
             </a:r>
           </a:p>
           <a:p>
-            <a:r>
-              <a:rPr lang="en-GB" sz="2000" dirty="0"/>
-              <a:t>TEXT GOES HERE</a:t>
-            </a:r>
+            <a:pPr algn="just">
+              <a:lnSpc>
+                <a:spcPct val="107000"/>
+              </a:lnSpc>
+              <a:spcAft>
+                <a:spcPts val="800"/>
+              </a:spcAft>
+            </a:pPr>
+            <a:r>
+              <a:rPr lang="en-GB" sz="2400" dirty="0">
+                <a:latin typeface="Calibri" panose="020F0502020204030204" pitchFamily="34" charset="0"/>
+                <a:ea typeface="Calibri" panose="020F0502020204030204" pitchFamily="34" charset="0"/>
+                <a:cs typeface="Times New Roman" panose="02020603050405020304" pitchFamily="18" charset="0"/>
+              </a:rPr>
+              <a:t>The remaining work is focussed on completing the rest of the interaction left, and adding textures and scenery to create a more immersive experience.</a:t>
+            </a:r>
+          </a:p>
+          <a:p>
+            <a:pPr algn="just">
+              <a:lnSpc>
+                <a:spcPct val="107000"/>
+              </a:lnSpc>
+              <a:spcAft>
+                <a:spcPts val="800"/>
+              </a:spcAft>
+            </a:pPr>
+            <a:r>
+              <a:rPr lang="en-GB" sz="2400" dirty="0">
+                <a:latin typeface="Calibri" panose="020F0502020204030204" pitchFamily="34" charset="0"/>
+                <a:ea typeface="Calibri" panose="020F0502020204030204" pitchFamily="34" charset="0"/>
+                <a:cs typeface="Times New Roman" panose="02020603050405020304" pitchFamily="18" charset="0"/>
+              </a:rPr>
+              <a:t>The spawning, and pouring of the cooling water into the system to reduce the engine temperature needs to be implemented.</a:t>
+            </a:r>
+          </a:p>
+          <a:p>
+            <a:pPr algn="just">
+              <a:lnSpc>
+                <a:spcPct val="107000"/>
+              </a:lnSpc>
+              <a:spcAft>
+                <a:spcPts val="800"/>
+              </a:spcAft>
+            </a:pPr>
+            <a:r>
+              <a:rPr lang="en-GB" sz="2400" dirty="0">
+                <a:latin typeface="Calibri" panose="020F0502020204030204" pitchFamily="34" charset="0"/>
+                <a:ea typeface="Calibri" panose="020F0502020204030204" pitchFamily="34" charset="0"/>
+                <a:cs typeface="Times New Roman" panose="02020603050405020304" pitchFamily="18" charset="0"/>
+              </a:rPr>
+              <a:t>It will have to be seen how “realistic” the water ends up being, as fluids are a notoriously difficult thing to simulate [3]. A more stylized, cartoony method that makes sense within the world built will probably be used.</a:t>
+            </a:r>
+            <a:endParaRPr lang="en-GB" sz="2400" dirty="0">
+              <a:effectLst/>
+              <a:latin typeface="Calibri" panose="020F0502020204030204" pitchFamily="34" charset="0"/>
+              <a:ea typeface="Calibri" panose="020F0502020204030204" pitchFamily="34" charset="0"/>
+              <a:cs typeface="Times New Roman" panose="02020603050405020304" pitchFamily="18" charset="0"/>
+            </a:endParaRPr>
           </a:p>
         </p:txBody>
       </p:sp>
@@ -3262,8 +3562,8 @@
         </p:nvSpPr>
         <p:spPr>
           <a:xfrm>
-            <a:off x="2200329" y="17614036"/>
-            <a:ext cx="17162821" cy="2462213"/>
+            <a:off x="965857" y="17933719"/>
+            <a:ext cx="19332783" cy="2431435"/>
           </a:xfrm>
           <a:prstGeom prst="rect">
             <a:avLst/>
@@ -3277,26 +3577,22 @@
           <a:lstStyle/>
           <a:p>
             <a:r>
-              <a:rPr lang="en-GB" sz="2800" dirty="0"/>
+              <a:rPr lang="en-GB" sz="3200" dirty="0"/>
               <a:t>Future Work</a:t>
             </a:r>
           </a:p>
           <a:p>
-            <a:r>
-              <a:rPr lang="en-GB" dirty="0"/>
+            <a:pPr algn="just"/>
+            <a:r>
+              <a:rPr lang="en-GB" sz="2400" dirty="0"/>
               <a:t>With respect to carrying on this product for a full-fledged release, the most important carry on would be to improve the quality and detail of the immersive, world building elements. With a focus on textures and scenery, work on the graphical side of the project, as opposed to the coding side of the project, would put the polish expected to meet the demands of an audience used to triple A products with professional artists working on items full time.</a:t>
             </a:r>
           </a:p>
           <a:p>
-            <a:r>
-              <a:rPr lang="en-GB" dirty="0"/>
+            <a:pPr algn="just"/>
+            <a:r>
+              <a:rPr lang="en-GB" sz="2400" dirty="0"/>
               <a:t>Expanding on the list of jobs you can complete related to the train would be a fun way to expand the product too, with possibilities of being the driver or the server. These would allow for similar experiences, with the gameplay focus maintaining the idea of balancing 2 or more ever changing variables.</a:t>
-            </a:r>
-          </a:p>
-          <a:p>
-            <a:r>
-              <a:rPr lang="en-GB" dirty="0"/>
-              <a:t>Expanding on the amount of interaction within the fireman role might be a fun space to explore. Having changing demands with the driver barking orders, as opposed to a relatively static system where the user provides all the variance would make repeat gameplay sessions more appealing, and add personality.</a:t>
             </a:r>
           </a:p>
         </p:txBody>
@@ -3315,8 +3611,8 @@
         </p:nvSpPr>
         <p:spPr>
           <a:xfrm>
-            <a:off x="2200329" y="20662036"/>
-            <a:ext cx="3085909" cy="830997"/>
+            <a:off x="965857" y="20576492"/>
+            <a:ext cx="19332782" cy="1969770"/>
           </a:xfrm>
           <a:prstGeom prst="rect">
             <a:avLst/>
@@ -3324,21 +3620,111 @@
           <a:noFill/>
         </p:spPr>
         <p:txBody>
-          <a:bodyPr wrap="none" rtlCol="0">
+          <a:bodyPr wrap="square" rtlCol="0">
             <a:spAutoFit/>
           </a:bodyPr>
           <a:lstStyle/>
           <a:p>
             <a:r>
-              <a:rPr lang="en-GB" sz="2800" dirty="0"/>
+              <a:rPr lang="en-GB" sz="3200" dirty="0"/>
               <a:t>Further Information</a:t>
             </a:r>
           </a:p>
           <a:p>
             <a:r>
-              <a:rPr lang="en-GB" sz="2000" dirty="0"/>
-              <a:t>TEXT GOES HERE</a:t>
-            </a:r>
+              <a:rPr lang="en-US" dirty="0">
+                <a:latin typeface="Calibri" panose="020F0502020204030204" pitchFamily="34" charset="0"/>
+                <a:ea typeface="Calibri" panose="020F0502020204030204" pitchFamily="34" charset="0"/>
+                <a:cs typeface="Times New Roman" panose="02020603050405020304" pitchFamily="18" charset="0"/>
+              </a:rPr>
+              <a:t>[1] N. E. Seymour, A. G. Gallagher, S. A. Roman, M. K. O'Brien, V. K. Bansal, D. K. Andersen and R. M. </a:t>
+            </a:r>
+            <a:r>
+              <a:rPr lang="en-US" dirty="0" err="1">
+                <a:latin typeface="Calibri" panose="020F0502020204030204" pitchFamily="34" charset="0"/>
+                <a:ea typeface="Calibri" panose="020F0502020204030204" pitchFamily="34" charset="0"/>
+                <a:cs typeface="Times New Roman" panose="02020603050405020304" pitchFamily="18" charset="0"/>
+              </a:rPr>
+              <a:t>Satava</a:t>
+            </a:r>
+            <a:r>
+              <a:rPr lang="en-US" dirty="0">
+                <a:latin typeface="Calibri" panose="020F0502020204030204" pitchFamily="34" charset="0"/>
+                <a:ea typeface="Calibri" panose="020F0502020204030204" pitchFamily="34" charset="0"/>
+                <a:cs typeface="Times New Roman" panose="02020603050405020304" pitchFamily="18" charset="0"/>
+              </a:rPr>
+              <a:t>, "Virtual reality training improves operating room performance: results of a randomized, double-blinded study.," </a:t>
+            </a:r>
+            <a:r>
+              <a:rPr lang="en-US" i="1" dirty="0">
+                <a:latin typeface="Calibri" panose="020F0502020204030204" pitchFamily="34" charset="0"/>
+                <a:ea typeface="Calibri" panose="020F0502020204030204" pitchFamily="34" charset="0"/>
+                <a:cs typeface="Times New Roman" panose="02020603050405020304" pitchFamily="18" charset="0"/>
+              </a:rPr>
+              <a:t>Annals of surgery, </a:t>
+            </a:r>
+            <a:r>
+              <a:rPr lang="en-US" dirty="0">
+                <a:latin typeface="Calibri" panose="020F0502020204030204" pitchFamily="34" charset="0"/>
+                <a:ea typeface="Calibri" panose="020F0502020204030204" pitchFamily="34" charset="0"/>
+                <a:cs typeface="Times New Roman" panose="02020603050405020304" pitchFamily="18" charset="0"/>
+              </a:rPr>
+              <a:t>vol. 236, no. 4, pp. 458-63; discussion 463-4, 10 2002. </a:t>
+            </a:r>
+            <a:br>
+              <a:rPr lang="en-US" dirty="0">
+                <a:latin typeface="Calibri" panose="020F0502020204030204" pitchFamily="34" charset="0"/>
+                <a:ea typeface="Calibri" panose="020F0502020204030204" pitchFamily="34" charset="0"/>
+                <a:cs typeface="Times New Roman" panose="02020603050405020304" pitchFamily="18" charset="0"/>
+              </a:rPr>
+            </a:br>
+            <a:r>
+              <a:rPr lang="en-US" dirty="0">
+                <a:latin typeface="Calibri" panose="020F0502020204030204" pitchFamily="34" charset="0"/>
+                <a:ea typeface="Calibri" panose="020F0502020204030204" pitchFamily="34" charset="0"/>
+                <a:cs typeface="Times New Roman" panose="02020603050405020304" pitchFamily="18" charset="0"/>
+              </a:rPr>
+              <a:t>[2] </a:t>
+            </a:r>
+            <a:r>
+              <a:rPr lang="en-US" dirty="0"/>
+              <a:t>Robert Nystrom, "Component · Decoupling Patterns · Game Programming Patterns," [Online]. Available: http://gameprogrammingpatterns.com/component.html.</a:t>
+            </a:r>
+            <a:br>
+              <a:rPr lang="en-US" dirty="0">
+                <a:latin typeface="Calibri" panose="020F0502020204030204" pitchFamily="34" charset="0"/>
+                <a:ea typeface="Calibri" panose="020F0502020204030204" pitchFamily="34" charset="0"/>
+                <a:cs typeface="Times New Roman" panose="02020603050405020304" pitchFamily="18" charset="0"/>
+              </a:rPr>
+            </a:br>
+            <a:r>
+              <a:rPr lang="en-US" dirty="0">
+                <a:latin typeface="Calibri" panose="020F0502020204030204" pitchFamily="34" charset="0"/>
+                <a:ea typeface="Calibri" panose="020F0502020204030204" pitchFamily="34" charset="0"/>
+                <a:cs typeface="Times New Roman" panose="02020603050405020304" pitchFamily="18" charset="0"/>
+              </a:rPr>
+              <a:t>[3] </a:t>
+            </a:r>
+            <a:r>
+              <a:rPr lang="en-US" dirty="0"/>
+              <a:t>R. </a:t>
+            </a:r>
+            <a:r>
+              <a:rPr lang="en-US" dirty="0" err="1"/>
+              <a:t>Bridson</a:t>
+            </a:r>
+            <a:r>
+              <a:rPr lang="en-US" dirty="0"/>
+              <a:t>, Fluid Simulation for Computer Graphics, Second Edition., CRC Press, 2015, p. 269.</a:t>
+            </a:r>
+            <a:br>
+              <a:rPr lang="en-US" dirty="0">
+                <a:latin typeface="Calibri" panose="020F0502020204030204" pitchFamily="34" charset="0"/>
+                <a:ea typeface="Calibri" panose="020F0502020204030204" pitchFamily="34" charset="0"/>
+                <a:cs typeface="Times New Roman" panose="02020603050405020304" pitchFamily="18" charset="0"/>
+              </a:rPr>
+            </a:br>
+            <a:endParaRPr lang="en-GB" dirty="0"/>
           </a:p>
         </p:txBody>
       </p:sp>
@@ -3357,7 +3743,7 @@
           <p:nvPr/>
         </p:nvPicPr>
         <p:blipFill>
-          <a:blip r:embed="rId2">
+          <a:blip r:embed="rId4">
             <a:extLst>
               <a:ext uri="{28A0092B-C50C-407E-A947-70E740481C1C}">
                 <a14:useLocalDpi xmlns:a14="http://schemas.microsoft.com/office/drawing/2010/main" val="0"/>
@@ -3371,8 +3757,8 @@
         </p:blipFill>
         <p:spPr bwMode="auto">
           <a:xfrm>
-            <a:off x="0" y="21551239"/>
-            <a:ext cx="21383625" cy="9325636"/>
+            <a:off x="965860" y="22253265"/>
+            <a:ext cx="19332783" cy="8431241"/>
           </a:xfrm>
           <a:prstGeom prst="rect">
             <a:avLst/>
@@ -3403,7 +3789,7 @@
         </p:nvSpPr>
         <p:spPr>
           <a:xfrm>
-            <a:off x="17259049" y="30028992"/>
+            <a:off x="16581888" y="29484671"/>
             <a:ext cx="4208203" cy="246221"/>
           </a:xfrm>
           <a:prstGeom prst="rect">
@@ -3430,78 +3816,6 @@
             <a:extLst>
               <a:ext uri="{FF2B5EF4-FFF2-40B4-BE49-F238E27FC236}">
                 <a16:creationId xmlns:a16="http://schemas.microsoft.com/office/drawing/2014/main" id="{311E913E-A382-4749-9C68-7006E6B49FC7}"/>
-              </a:ext>
-            </a:extLst>
-          </p:cNvPr>
-          <p:cNvPicPr>
-            <a:picLocks noChangeAspect="1"/>
-          </p:cNvPicPr>
-          <p:nvPr/>
-        </p:nvPicPr>
-        <p:blipFill>
-          <a:blip r:embed="rId3">
-            <a:extLst>
-              <a:ext uri="{28A0092B-C50C-407E-A947-70E740481C1C}">
-                <a14:useLocalDpi xmlns:a14="http://schemas.microsoft.com/office/drawing/2010/main" val="0"/>
-              </a:ext>
-            </a:extLst>
-          </a:blip>
-          <a:stretch>
-            <a:fillRect/>
-          </a:stretch>
-        </p:blipFill>
-        <p:spPr>
-          <a:xfrm>
-            <a:off x="6694839" y="13290065"/>
-            <a:ext cx="1762817" cy="1380367"/>
-          </a:xfrm>
-          <a:prstGeom prst="rect">
-            <a:avLst/>
-          </a:prstGeom>
-        </p:spPr>
-      </p:pic>
-      <p:pic>
-        <p:nvPicPr>
-          <p:cNvPr id="17" name="Picture 16">
-            <a:extLst>
-              <a:ext uri="{FF2B5EF4-FFF2-40B4-BE49-F238E27FC236}">
-                <a16:creationId xmlns:a16="http://schemas.microsoft.com/office/drawing/2014/main" id="{45172875-EF8D-4E17-88E0-4E4B48FCCC90}"/>
-              </a:ext>
-            </a:extLst>
-          </p:cNvPr>
-          <p:cNvPicPr>
-            <a:picLocks noChangeAspect="1"/>
-          </p:cNvPicPr>
-          <p:nvPr/>
-        </p:nvPicPr>
-        <p:blipFill>
-          <a:blip r:embed="rId4">
-            <a:extLst>
-              <a:ext uri="{28A0092B-C50C-407E-A947-70E740481C1C}">
-                <a14:useLocalDpi xmlns:a14="http://schemas.microsoft.com/office/drawing/2010/main" val="0"/>
-              </a:ext>
-            </a:extLst>
-          </a:blip>
-          <a:stretch>
-            <a:fillRect/>
-          </a:stretch>
-        </p:blipFill>
-        <p:spPr>
-          <a:xfrm>
-            <a:off x="2200329" y="13290066"/>
-            <a:ext cx="3809658" cy="1380366"/>
-          </a:xfrm>
-          <a:prstGeom prst="rect">
-            <a:avLst/>
-          </a:prstGeom>
-        </p:spPr>
-      </p:pic>
-      <p:pic>
-        <p:nvPicPr>
-          <p:cNvPr id="19" name="Picture 18">
-            <a:extLst>
-              <a:ext uri="{FF2B5EF4-FFF2-40B4-BE49-F238E27FC236}">
-                <a16:creationId xmlns:a16="http://schemas.microsoft.com/office/drawing/2014/main" id="{749C20CE-B5EF-41C6-870F-77E218FB17D1}"/>
               </a:ext>
             </a:extLst>
           </p:cNvPr>
@@ -3524,8 +3838,8 @@
         </p:blipFill>
         <p:spPr>
           <a:xfrm>
-            <a:off x="9142508" y="13290065"/>
-            <a:ext cx="4960695" cy="1380367"/>
+            <a:off x="6399012" y="13760027"/>
+            <a:ext cx="1762817" cy="1380367"/>
           </a:xfrm>
           <a:prstGeom prst="rect">
             <a:avLst/>
@@ -3534,10 +3848,10 @@
       </p:pic>
       <p:pic>
         <p:nvPicPr>
-          <p:cNvPr id="21" name="Picture 20">
+          <p:cNvPr id="17" name="Picture 16">
             <a:extLst>
               <a:ext uri="{FF2B5EF4-FFF2-40B4-BE49-F238E27FC236}">
-                <a16:creationId xmlns:a16="http://schemas.microsoft.com/office/drawing/2014/main" id="{78A17523-11D2-4994-8647-80B49092BEF7}"/>
+                <a16:creationId xmlns:a16="http://schemas.microsoft.com/office/drawing/2014/main" id="{45172875-EF8D-4E17-88E0-4E4B48FCCC90}"/>
               </a:ext>
             </a:extLst>
           </p:cNvPr>
@@ -3560,8 +3874,200 @@
         </p:blipFill>
         <p:spPr>
           <a:xfrm>
-            <a:off x="14788055" y="13290065"/>
+            <a:off x="1904502" y="13760028"/>
+            <a:ext cx="3809658" cy="1380366"/>
+          </a:xfrm>
+          <a:prstGeom prst="rect">
+            <a:avLst/>
+          </a:prstGeom>
+        </p:spPr>
+      </p:pic>
+      <p:pic>
+        <p:nvPicPr>
+          <p:cNvPr id="19" name="Picture 18">
+            <a:extLst>
+              <a:ext uri="{FF2B5EF4-FFF2-40B4-BE49-F238E27FC236}">
+                <a16:creationId xmlns:a16="http://schemas.microsoft.com/office/drawing/2014/main" id="{749C20CE-B5EF-41C6-870F-77E218FB17D1}"/>
+              </a:ext>
+            </a:extLst>
+          </p:cNvPr>
+          <p:cNvPicPr>
+            <a:picLocks noChangeAspect="1"/>
+          </p:cNvPicPr>
+          <p:nvPr/>
+        </p:nvPicPr>
+        <p:blipFill>
+          <a:blip r:embed="rId7">
+            <a:extLst>
+              <a:ext uri="{28A0092B-C50C-407E-A947-70E740481C1C}">
+                <a14:useLocalDpi xmlns:a14="http://schemas.microsoft.com/office/drawing/2010/main" val="0"/>
+              </a:ext>
+            </a:extLst>
+          </a:blip>
+          <a:stretch>
+            <a:fillRect/>
+          </a:stretch>
+        </p:blipFill>
+        <p:spPr>
+          <a:xfrm>
+            <a:off x="8846681" y="13760027"/>
+            <a:ext cx="4960695" cy="1380367"/>
+          </a:xfrm>
+          <a:prstGeom prst="rect">
+            <a:avLst/>
+          </a:prstGeom>
+        </p:spPr>
+      </p:pic>
+      <p:pic>
+        <p:nvPicPr>
+          <p:cNvPr id="21" name="Picture 20">
+            <a:extLst>
+              <a:ext uri="{FF2B5EF4-FFF2-40B4-BE49-F238E27FC236}">
+                <a16:creationId xmlns:a16="http://schemas.microsoft.com/office/drawing/2014/main" id="{78A17523-11D2-4994-8647-80B49092BEF7}"/>
+              </a:ext>
+            </a:extLst>
+          </p:cNvPr>
+          <p:cNvPicPr>
+            <a:picLocks noChangeAspect="1"/>
+          </p:cNvPicPr>
+          <p:nvPr/>
+        </p:nvPicPr>
+        <p:blipFill>
+          <a:blip r:embed="rId8">
+            <a:extLst>
+              <a:ext uri="{28A0092B-C50C-407E-A947-70E740481C1C}">
+                <a14:useLocalDpi xmlns:a14="http://schemas.microsoft.com/office/drawing/2010/main" val="0"/>
+              </a:ext>
+            </a:extLst>
+          </a:blip>
+          <a:stretch>
+            <a:fillRect/>
+          </a:stretch>
+        </p:blipFill>
+        <p:spPr>
+          <a:xfrm>
+            <a:off x="14492228" y="13760027"/>
             <a:ext cx="4425608" cy="1380367"/>
+          </a:xfrm>
+          <a:prstGeom prst="rect">
+            <a:avLst/>
+          </a:prstGeom>
+        </p:spPr>
+      </p:pic>
+      <p:pic>
+        <p:nvPicPr>
+          <p:cNvPr id="24" name="Picture 23">
+            <a:extLst>
+              <a:ext uri="{FF2B5EF4-FFF2-40B4-BE49-F238E27FC236}">
+                <a16:creationId xmlns:a16="http://schemas.microsoft.com/office/drawing/2014/main" id="{5D47ED56-DE5A-4C94-8182-516FDBDBEF83}"/>
+              </a:ext>
+            </a:extLst>
+          </p:cNvPr>
+          <p:cNvPicPr>
+            <a:picLocks noChangeAspect="1"/>
+          </p:cNvPicPr>
+          <p:nvPr/>
+        </p:nvPicPr>
+        <p:blipFill>
+          <a:blip r:embed="rId9"/>
+          <a:stretch>
+            <a:fillRect/>
+          </a:stretch>
+        </p:blipFill>
+        <p:spPr>
+          <a:xfrm>
+            <a:off x="-38222" y="-1"/>
+            <a:ext cx="628157" cy="30275213"/>
+          </a:xfrm>
+          <a:prstGeom prst="rect">
+            <a:avLst/>
+          </a:prstGeom>
+        </p:spPr>
+      </p:pic>
+      <p:pic>
+        <p:nvPicPr>
+          <p:cNvPr id="28" name="Picture 27">
+            <a:extLst>
+              <a:ext uri="{FF2B5EF4-FFF2-40B4-BE49-F238E27FC236}">
+                <a16:creationId xmlns:a16="http://schemas.microsoft.com/office/drawing/2014/main" id="{05ED9504-350E-4E57-B94A-D8EDA608F154}"/>
+              </a:ext>
+            </a:extLst>
+          </p:cNvPr>
+          <p:cNvPicPr>
+            <a:picLocks noChangeAspect="1"/>
+          </p:cNvPicPr>
+          <p:nvPr/>
+        </p:nvPicPr>
+        <p:blipFill>
+          <a:blip r:embed="rId9"/>
+          <a:stretch>
+            <a:fillRect/>
+          </a:stretch>
+        </p:blipFill>
+        <p:spPr>
+          <a:xfrm>
+            <a:off x="20831906" y="0"/>
+            <a:ext cx="593531" cy="30275213"/>
+          </a:xfrm>
+          <a:prstGeom prst="rect">
+            <a:avLst/>
+          </a:prstGeom>
+        </p:spPr>
+      </p:pic>
+      <p:pic>
+        <p:nvPicPr>
+          <p:cNvPr id="30" name="Picture 29">
+            <a:extLst>
+              <a:ext uri="{FF2B5EF4-FFF2-40B4-BE49-F238E27FC236}">
+                <a16:creationId xmlns:a16="http://schemas.microsoft.com/office/drawing/2014/main" id="{9D329911-CDDC-4D3B-B99B-9CDD9D2013D4}"/>
+              </a:ext>
+            </a:extLst>
+          </p:cNvPr>
+          <p:cNvPicPr>
+            <a:picLocks noChangeAspect="1"/>
+          </p:cNvPicPr>
+          <p:nvPr/>
+        </p:nvPicPr>
+        <p:blipFill>
+          <a:blip r:embed="rId9"/>
+          <a:stretch>
+            <a:fillRect/>
+          </a:stretch>
+        </p:blipFill>
+        <p:spPr>
+          <a:xfrm rot="5400000">
+            <a:off x="10415952" y="-10461926"/>
+            <a:ext cx="593531" cy="21425438"/>
+          </a:xfrm>
+          <a:prstGeom prst="rect">
+            <a:avLst/>
+          </a:prstGeom>
+        </p:spPr>
+      </p:pic>
+      <p:pic>
+        <p:nvPicPr>
+          <p:cNvPr id="31" name="Picture 30">
+            <a:extLst>
+              <a:ext uri="{FF2B5EF4-FFF2-40B4-BE49-F238E27FC236}">
+                <a16:creationId xmlns:a16="http://schemas.microsoft.com/office/drawing/2014/main" id="{075ECD5B-679F-4F7B-82C0-D150C0D3D113}"/>
+              </a:ext>
+            </a:extLst>
+          </p:cNvPr>
+          <p:cNvPicPr>
+            <a:picLocks noChangeAspect="1"/>
+          </p:cNvPicPr>
+          <p:nvPr/>
+        </p:nvPicPr>
+        <p:blipFill>
+          <a:blip r:embed="rId9"/>
+          <a:stretch>
+            <a:fillRect/>
+          </a:stretch>
+        </p:blipFill>
+        <p:spPr>
+          <a:xfrm rot="5400000">
+            <a:off x="10412359" y="19335667"/>
+            <a:ext cx="593531" cy="21425438"/>
           </a:xfrm>
           <a:prstGeom prst="rect">
             <a:avLst/>
